--- a/_html/images/Images.pptx
+++ b/_html/images/Images.pptx
@@ -1927,6 +1927,13 @@
         </dgm:presLayoutVars>
       </dgm:prSet>
       <dgm:spPr/>
+      <dgm:t>
+        <a:bodyPr/>
+        <a:lstStyle/>
+        <a:p>
+          <a:endParaRPr lang="en-US"/>
+        </a:p>
+      </dgm:t>
     </dgm:pt>
     <dgm:pt modelId="{0758E69F-F792-4662-983D-897F38965D8A}" type="pres">
       <dgm:prSet presAssocID="{0D2333DF-0AF8-4BDB-BAF5-797DA95D5B3B}" presName="sibTrans" presStyleLbl="sibTrans2D1" presStyleIdx="0" presStyleCnt="3" custScaleX="179118" custScaleY="51766"/>
@@ -1935,10 +1942,24 @@
           <a:avLst/>
         </a:prstGeom>
       </dgm:spPr>
+      <dgm:t>
+        <a:bodyPr/>
+        <a:lstStyle/>
+        <a:p>
+          <a:endParaRPr lang="en-US"/>
+        </a:p>
+      </dgm:t>
     </dgm:pt>
     <dgm:pt modelId="{6BCA53D5-3ED9-499A-B1D7-A033670971B6}" type="pres">
       <dgm:prSet presAssocID="{0D2333DF-0AF8-4BDB-BAF5-797DA95D5B3B}" presName="connectorText" presStyleLbl="sibTrans2D1" presStyleIdx="0" presStyleCnt="3"/>
       <dgm:spPr/>
+      <dgm:t>
+        <a:bodyPr/>
+        <a:lstStyle/>
+        <a:p>
+          <a:endParaRPr lang="en-US"/>
+        </a:p>
+      </dgm:t>
     </dgm:pt>
     <dgm:pt modelId="{CCD0BA9D-8311-4A2C-A66B-7C7D504E1AF8}" type="pres">
       <dgm:prSet presAssocID="{ECC26E35-CD88-4B63-8F50-B52A67C9154C}" presName="node" presStyleLbl="node1" presStyleIdx="1" presStyleCnt="3">
@@ -1947,6 +1968,13 @@
         </dgm:presLayoutVars>
       </dgm:prSet>
       <dgm:spPr/>
+      <dgm:t>
+        <a:bodyPr/>
+        <a:lstStyle/>
+        <a:p>
+          <a:endParaRPr lang="en-US"/>
+        </a:p>
+      </dgm:t>
     </dgm:pt>
     <dgm:pt modelId="{01141BE7-A7BF-46A3-AD32-2EC1F6E8F168}" type="pres">
       <dgm:prSet presAssocID="{A8B31D50-E7DC-4F20-AFB5-04F9F98D0C7B}" presName="sibTrans" presStyleLbl="sibTrans2D1" presStyleIdx="1" presStyleCnt="3" custScaleX="184811" custScaleY="45692"/>
@@ -1955,10 +1983,24 @@
           <a:avLst/>
         </a:prstGeom>
       </dgm:spPr>
+      <dgm:t>
+        <a:bodyPr/>
+        <a:lstStyle/>
+        <a:p>
+          <a:endParaRPr lang="en-US"/>
+        </a:p>
+      </dgm:t>
     </dgm:pt>
     <dgm:pt modelId="{210A1831-54B9-4253-8F0A-C812CDCA36CD}" type="pres">
       <dgm:prSet presAssocID="{A8B31D50-E7DC-4F20-AFB5-04F9F98D0C7B}" presName="connectorText" presStyleLbl="sibTrans2D1" presStyleIdx="1" presStyleCnt="3"/>
       <dgm:spPr/>
+      <dgm:t>
+        <a:bodyPr/>
+        <a:lstStyle/>
+        <a:p>
+          <a:endParaRPr lang="en-US"/>
+        </a:p>
+      </dgm:t>
     </dgm:pt>
     <dgm:pt modelId="{BB3CAA02-FF33-4E1B-AC3B-E8531DECF446}" type="pres">
       <dgm:prSet presAssocID="{CAAE6FE5-3BEB-426A-BC55-5E2E2C7B1A5D}" presName="node" presStyleLbl="node1" presStyleIdx="2" presStyleCnt="3">
@@ -1967,6 +2009,13 @@
         </dgm:presLayoutVars>
       </dgm:prSet>
       <dgm:spPr/>
+      <dgm:t>
+        <a:bodyPr/>
+        <a:lstStyle/>
+        <a:p>
+          <a:endParaRPr lang="en-US"/>
+        </a:p>
+      </dgm:t>
     </dgm:pt>
     <dgm:pt modelId="{09FA499B-32EB-4818-8665-A1224AABDD68}" type="pres">
       <dgm:prSet presAssocID="{317AB1B5-F28B-42EF-921A-C5878521E002}" presName="sibTrans" presStyleLbl="sibTrans2D1" presStyleIdx="2" presStyleCnt="3" custScaleX="186843" custScaleY="51765"/>
@@ -1975,26 +2024,40 @@
           <a:avLst/>
         </a:prstGeom>
       </dgm:spPr>
+      <dgm:t>
+        <a:bodyPr/>
+        <a:lstStyle/>
+        <a:p>
+          <a:endParaRPr lang="en-US"/>
+        </a:p>
+      </dgm:t>
     </dgm:pt>
     <dgm:pt modelId="{242A4B53-AB63-46C5-BA9E-121B2757D098}" type="pres">
       <dgm:prSet presAssocID="{317AB1B5-F28B-42EF-921A-C5878521E002}" presName="connectorText" presStyleLbl="sibTrans2D1" presStyleIdx="2" presStyleCnt="3"/>
       <dgm:spPr/>
+      <dgm:t>
+        <a:bodyPr/>
+        <a:lstStyle/>
+        <a:p>
+          <a:endParaRPr lang="en-US"/>
+        </a:p>
+      </dgm:t>
     </dgm:pt>
   </dgm:ptLst>
   <dgm:cxnLst>
+    <dgm:cxn modelId="{270BBB2E-38D0-400D-9967-1911250FF306}" type="presOf" srcId="{A8B31D50-E7DC-4F20-AFB5-04F9F98D0C7B}" destId="{01141BE7-A7BF-46A3-AD32-2EC1F6E8F168}" srcOrd="0" destOrd="0" presId="urn:microsoft.com/office/officeart/2005/8/layout/cycle2"/>
+    <dgm:cxn modelId="{D8ECF6AE-931D-47EF-BC7A-6A580485A327}" type="presOf" srcId="{0D2333DF-0AF8-4BDB-BAF5-797DA95D5B3B}" destId="{0758E69F-F792-4662-983D-897F38965D8A}" srcOrd="0" destOrd="0" presId="urn:microsoft.com/office/officeart/2005/8/layout/cycle2"/>
     <dgm:cxn modelId="{78410859-6A42-41BE-B2EC-FDB518B6AE9C}" type="presOf" srcId="{0D2333DF-0AF8-4BDB-BAF5-797DA95D5B3B}" destId="{6BCA53D5-3ED9-499A-B1D7-A033670971B6}" srcOrd="1" destOrd="0" presId="urn:microsoft.com/office/officeart/2005/8/layout/cycle2"/>
+    <dgm:cxn modelId="{0BA1F0CC-C97E-4E81-94ED-9500F270D6C4}" srcId="{6D405258-1413-4248-93D0-0BE7CEAA05B3}" destId="{ECC26E35-CD88-4B63-8F50-B52A67C9154C}" srcOrd="1" destOrd="0" parTransId="{DA9449E8-5B7E-4320-9CF7-4995CC663A92}" sibTransId="{A8B31D50-E7DC-4F20-AFB5-04F9F98D0C7B}"/>
+    <dgm:cxn modelId="{0466587C-A744-4985-BE87-21CD818788BF}" type="presOf" srcId="{ECC26E35-CD88-4B63-8F50-B52A67C9154C}" destId="{CCD0BA9D-8311-4A2C-A66B-7C7D504E1AF8}" srcOrd="0" destOrd="0" presId="urn:microsoft.com/office/officeart/2005/8/layout/cycle2"/>
+    <dgm:cxn modelId="{42DDC81B-1A5E-458F-B477-44507A479B47}" type="presOf" srcId="{317AB1B5-F28B-42EF-921A-C5878521E002}" destId="{09FA499B-32EB-4818-8665-A1224AABDD68}" srcOrd="0" destOrd="0" presId="urn:microsoft.com/office/officeart/2005/8/layout/cycle2"/>
     <dgm:cxn modelId="{49B69A3D-A1F1-41A3-A92B-64C969114827}" type="presOf" srcId="{6D405258-1413-4248-93D0-0BE7CEAA05B3}" destId="{091EECA9-04C7-4043-85F7-3FDC7A4155C5}" srcOrd="0" destOrd="0" presId="urn:microsoft.com/office/officeart/2005/8/layout/cycle2"/>
-    <dgm:cxn modelId="{0466587C-A744-4985-BE87-21CD818788BF}" type="presOf" srcId="{ECC26E35-CD88-4B63-8F50-B52A67C9154C}" destId="{CCD0BA9D-8311-4A2C-A66B-7C7D504E1AF8}" srcOrd="0" destOrd="0" presId="urn:microsoft.com/office/officeart/2005/8/layout/cycle2"/>
+    <dgm:cxn modelId="{91744251-45F6-4459-9EEA-CB654A90EE49}" type="presOf" srcId="{317AB1B5-F28B-42EF-921A-C5878521E002}" destId="{242A4B53-AB63-46C5-BA9E-121B2757D098}" srcOrd="1" destOrd="0" presId="urn:microsoft.com/office/officeart/2005/8/layout/cycle2"/>
+    <dgm:cxn modelId="{3620E05D-DBFF-4C23-BF57-77086E78E05F}" type="presOf" srcId="{5032828F-E801-4AC1-9E3B-EE7F912EF894}" destId="{906BF8E2-DA82-46F5-B5D6-976B31AF7A45}" srcOrd="0" destOrd="0" presId="urn:microsoft.com/office/officeart/2005/8/layout/cycle2"/>
     <dgm:cxn modelId="{E60803A6-A91D-42F4-832C-2B1B5A3F2BBA}" type="presOf" srcId="{CAAE6FE5-3BEB-426A-BC55-5E2E2C7B1A5D}" destId="{BB3CAA02-FF33-4E1B-AC3B-E8531DECF446}" srcOrd="0" destOrd="0" presId="urn:microsoft.com/office/officeart/2005/8/layout/cycle2"/>
+    <dgm:cxn modelId="{CA44FB46-80C0-47F5-92FC-2F110C62DC8D}" srcId="{6D405258-1413-4248-93D0-0BE7CEAA05B3}" destId="{5032828F-E801-4AC1-9E3B-EE7F912EF894}" srcOrd="0" destOrd="0" parTransId="{F418DAD2-9203-47D4-B0F5-06EF8C89F17C}" sibTransId="{0D2333DF-0AF8-4BDB-BAF5-797DA95D5B3B}"/>
     <dgm:cxn modelId="{F665C333-FE7C-4113-BEAA-0BB31552A0AB}" type="presOf" srcId="{A8B31D50-E7DC-4F20-AFB5-04F9F98D0C7B}" destId="{210A1831-54B9-4253-8F0A-C812CDCA36CD}" srcOrd="1" destOrd="0" presId="urn:microsoft.com/office/officeart/2005/8/layout/cycle2"/>
-    <dgm:cxn modelId="{0BA1F0CC-C97E-4E81-94ED-9500F270D6C4}" srcId="{6D405258-1413-4248-93D0-0BE7CEAA05B3}" destId="{ECC26E35-CD88-4B63-8F50-B52A67C9154C}" srcOrd="1" destOrd="0" parTransId="{DA9449E8-5B7E-4320-9CF7-4995CC663A92}" sibTransId="{A8B31D50-E7DC-4F20-AFB5-04F9F98D0C7B}"/>
-    <dgm:cxn modelId="{270BBB2E-38D0-400D-9967-1911250FF306}" type="presOf" srcId="{A8B31D50-E7DC-4F20-AFB5-04F9F98D0C7B}" destId="{01141BE7-A7BF-46A3-AD32-2EC1F6E8F168}" srcOrd="0" destOrd="0" presId="urn:microsoft.com/office/officeart/2005/8/layout/cycle2"/>
-    <dgm:cxn modelId="{CA44FB46-80C0-47F5-92FC-2F110C62DC8D}" srcId="{6D405258-1413-4248-93D0-0BE7CEAA05B3}" destId="{5032828F-E801-4AC1-9E3B-EE7F912EF894}" srcOrd="0" destOrd="0" parTransId="{F418DAD2-9203-47D4-B0F5-06EF8C89F17C}" sibTransId="{0D2333DF-0AF8-4BDB-BAF5-797DA95D5B3B}"/>
-    <dgm:cxn modelId="{3620E05D-DBFF-4C23-BF57-77086E78E05F}" type="presOf" srcId="{5032828F-E801-4AC1-9E3B-EE7F912EF894}" destId="{906BF8E2-DA82-46F5-B5D6-976B31AF7A45}" srcOrd="0" destOrd="0" presId="urn:microsoft.com/office/officeart/2005/8/layout/cycle2"/>
     <dgm:cxn modelId="{9298259D-1D28-48A9-BAE5-C7D26DC5B98B}" srcId="{6D405258-1413-4248-93D0-0BE7CEAA05B3}" destId="{CAAE6FE5-3BEB-426A-BC55-5E2E2C7B1A5D}" srcOrd="2" destOrd="0" parTransId="{3775CBE9-B111-4638-B427-E372FFBB2D6F}" sibTransId="{317AB1B5-F28B-42EF-921A-C5878521E002}"/>
-    <dgm:cxn modelId="{D8ECF6AE-931D-47EF-BC7A-6A580485A327}" type="presOf" srcId="{0D2333DF-0AF8-4BDB-BAF5-797DA95D5B3B}" destId="{0758E69F-F792-4662-983D-897F38965D8A}" srcOrd="0" destOrd="0" presId="urn:microsoft.com/office/officeart/2005/8/layout/cycle2"/>
-    <dgm:cxn modelId="{42DDC81B-1A5E-458F-B477-44507A479B47}" type="presOf" srcId="{317AB1B5-F28B-42EF-921A-C5878521E002}" destId="{09FA499B-32EB-4818-8665-A1224AABDD68}" srcOrd="0" destOrd="0" presId="urn:microsoft.com/office/officeart/2005/8/layout/cycle2"/>
-    <dgm:cxn modelId="{91744251-45F6-4459-9EEA-CB654A90EE49}" type="presOf" srcId="{317AB1B5-F28B-42EF-921A-C5878521E002}" destId="{242A4B53-AB63-46C5-BA9E-121B2757D098}" srcOrd="1" destOrd="0" presId="urn:microsoft.com/office/officeart/2005/8/layout/cycle2"/>
     <dgm:cxn modelId="{11CB3D5D-6841-4FD5-95E6-0CA8D5364B38}" type="presParOf" srcId="{091EECA9-04C7-4043-85F7-3FDC7A4155C5}" destId="{906BF8E2-DA82-46F5-B5D6-976B31AF7A45}" srcOrd="0" destOrd="0" presId="urn:microsoft.com/office/officeart/2005/8/layout/cycle2"/>
     <dgm:cxn modelId="{AC57A1C3-89CA-487D-9A5C-26E0384EF189}" type="presParOf" srcId="{091EECA9-04C7-4043-85F7-3FDC7A4155C5}" destId="{0758E69F-F792-4662-983D-897F38965D8A}" srcOrd="1" destOrd="0" presId="urn:microsoft.com/office/officeart/2005/8/layout/cycle2"/>
     <dgm:cxn modelId="{C7BA9C2E-5C7B-4307-AF57-6AF22250AACF}" type="presParOf" srcId="{0758E69F-F792-4662-983D-897F38965D8A}" destId="{6BCA53D5-3ED9-499A-B1D7-A033670971B6}" srcOrd="0" destOrd="0" presId="urn:microsoft.com/office/officeart/2005/8/layout/cycle2"/>
@@ -2303,6 +2366,13 @@
         </dgm:presLayoutVars>
       </dgm:prSet>
       <dgm:spPr/>
+      <dgm:t>
+        <a:bodyPr/>
+        <a:lstStyle/>
+        <a:p>
+          <a:endParaRPr lang="en-US"/>
+        </a:p>
+      </dgm:t>
     </dgm:pt>
     <dgm:pt modelId="{A7A099A9-D3D0-4F5D-A407-4015F62AB3C9}" type="pres">
       <dgm:prSet presAssocID="{CAAE6FE5-3BEB-426A-BC55-5E2E2C7B1A5D}" presName="item2" presStyleLbl="node1" presStyleIdx="1" presStyleCnt="3">
@@ -2311,6 +2381,13 @@
         </dgm:presLayoutVars>
       </dgm:prSet>
       <dgm:spPr/>
+      <dgm:t>
+        <a:bodyPr/>
+        <a:lstStyle/>
+        <a:p>
+          <a:endParaRPr lang="en-US"/>
+        </a:p>
+      </dgm:t>
     </dgm:pt>
     <dgm:pt modelId="{EA1331BB-FF1A-422C-9AD7-80CD7DEDD1F8}" type="pres">
       <dgm:prSet presAssocID="{F014CDBD-09B0-41A7-A2C1-9DA4FD662AD3}" presName="item3" presStyleLbl="node1" presStyleIdx="2" presStyleCnt="3">
@@ -2337,15 +2414,15 @@
     </dgm:pt>
   </dgm:ptLst>
   <dgm:cxnLst>
-    <dgm:cxn modelId="{51156FE1-39CC-40F9-BAE7-59DDCD829FB5}" type="presOf" srcId="{6D405258-1413-4248-93D0-0BE7CEAA05B3}" destId="{72D6EF11-9664-4460-9122-116EAE67C557}" srcOrd="0" destOrd="0" presId="urn:microsoft.com/office/officeart/2005/8/layout/funnel1"/>
+    <dgm:cxn modelId="{1B367F7E-0263-496C-BA5A-3284A82189B1}" type="presOf" srcId="{CAAE6FE5-3BEB-426A-BC55-5E2E2C7B1A5D}" destId="{099938B3-3DC1-4F41-AC24-CD7A910921EB}" srcOrd="0" destOrd="0" presId="urn:microsoft.com/office/officeart/2005/8/layout/funnel1"/>
+    <dgm:cxn modelId="{30E5141A-0F56-44A9-912C-D6DD9323E852}" type="presOf" srcId="{FA888575-8AC1-4F67-99D6-766AD060C18E}" destId="{EA1331BB-FF1A-422C-9AD7-80CD7DEDD1F8}" srcOrd="0" destOrd="0" presId="urn:microsoft.com/office/officeart/2005/8/layout/funnel1"/>
+    <dgm:cxn modelId="{37B9A5FB-B95C-4A7F-9321-DC8E2D9C533D}" srcId="{6D405258-1413-4248-93D0-0BE7CEAA05B3}" destId="{F014CDBD-09B0-41A7-A2C1-9DA4FD662AD3}" srcOrd="3" destOrd="0" parTransId="{DC59417F-D4F7-421A-8A80-CAAD0C514425}" sibTransId="{B3AE79E2-09A3-4C1A-8D20-5F7B0FA32960}"/>
+    <dgm:cxn modelId="{2BA4ED83-31FB-4345-8BDA-992D28DC1220}" type="presOf" srcId="{F014CDBD-09B0-41A7-A2C1-9DA4FD662AD3}" destId="{9E066C86-7FBD-4CB6-9A99-9E3A8D36A804}" srcOrd="0" destOrd="0" presId="urn:microsoft.com/office/officeart/2005/8/layout/funnel1"/>
     <dgm:cxn modelId="{0BA1F0CC-C97E-4E81-94ED-9500F270D6C4}" srcId="{6D405258-1413-4248-93D0-0BE7CEAA05B3}" destId="{ECC26E35-CD88-4B63-8F50-B52A67C9154C}" srcOrd="1" destOrd="0" parTransId="{DA9449E8-5B7E-4320-9CF7-4995CC663A92}" sibTransId="{A8B31D50-E7DC-4F20-AFB5-04F9F98D0C7B}"/>
-    <dgm:cxn modelId="{37B9A5FB-B95C-4A7F-9321-DC8E2D9C533D}" srcId="{6D405258-1413-4248-93D0-0BE7CEAA05B3}" destId="{F014CDBD-09B0-41A7-A2C1-9DA4FD662AD3}" srcOrd="3" destOrd="0" parTransId="{DC59417F-D4F7-421A-8A80-CAAD0C514425}" sibTransId="{B3AE79E2-09A3-4C1A-8D20-5F7B0FA32960}"/>
-    <dgm:cxn modelId="{1B367F7E-0263-496C-BA5A-3284A82189B1}" type="presOf" srcId="{CAAE6FE5-3BEB-426A-BC55-5E2E2C7B1A5D}" destId="{099938B3-3DC1-4F41-AC24-CD7A910921EB}" srcOrd="0" destOrd="0" presId="urn:microsoft.com/office/officeart/2005/8/layout/funnel1"/>
+    <dgm:cxn modelId="{4DD2E96A-6D86-48A3-A1D7-A7C5014658DB}" srcId="{6D405258-1413-4248-93D0-0BE7CEAA05B3}" destId="{FA888575-8AC1-4F67-99D6-766AD060C18E}" srcOrd="0" destOrd="0" parTransId="{3022998A-BA2E-4819-A399-8C72B6B189C7}" sibTransId="{53B239EE-6147-42BA-84B8-299E5F48A28C}"/>
     <dgm:cxn modelId="{CADBC35C-B82D-414F-A854-E504CF7B52EA}" type="presOf" srcId="{ECC26E35-CD88-4B63-8F50-B52A67C9154C}" destId="{A7A099A9-D3D0-4F5D-A407-4015F62AB3C9}" srcOrd="0" destOrd="0" presId="urn:microsoft.com/office/officeart/2005/8/layout/funnel1"/>
     <dgm:cxn modelId="{9298259D-1D28-48A9-BAE5-C7D26DC5B98B}" srcId="{6D405258-1413-4248-93D0-0BE7CEAA05B3}" destId="{CAAE6FE5-3BEB-426A-BC55-5E2E2C7B1A5D}" srcOrd="2" destOrd="0" parTransId="{3775CBE9-B111-4638-B427-E372FFBB2D6F}" sibTransId="{317AB1B5-F28B-42EF-921A-C5878521E002}"/>
-    <dgm:cxn modelId="{30E5141A-0F56-44A9-912C-D6DD9323E852}" type="presOf" srcId="{FA888575-8AC1-4F67-99D6-766AD060C18E}" destId="{EA1331BB-FF1A-422C-9AD7-80CD7DEDD1F8}" srcOrd="0" destOrd="0" presId="urn:microsoft.com/office/officeart/2005/8/layout/funnel1"/>
-    <dgm:cxn modelId="{2BA4ED83-31FB-4345-8BDA-992D28DC1220}" type="presOf" srcId="{F014CDBD-09B0-41A7-A2C1-9DA4FD662AD3}" destId="{9E066C86-7FBD-4CB6-9A99-9E3A8D36A804}" srcOrd="0" destOrd="0" presId="urn:microsoft.com/office/officeart/2005/8/layout/funnel1"/>
-    <dgm:cxn modelId="{4DD2E96A-6D86-48A3-A1D7-A7C5014658DB}" srcId="{6D405258-1413-4248-93D0-0BE7CEAA05B3}" destId="{FA888575-8AC1-4F67-99D6-766AD060C18E}" srcOrd="0" destOrd="0" parTransId="{3022998A-BA2E-4819-A399-8C72B6B189C7}" sibTransId="{53B239EE-6147-42BA-84B8-299E5F48A28C}"/>
+    <dgm:cxn modelId="{51156FE1-39CC-40F9-BAE7-59DDCD829FB5}" type="presOf" srcId="{6D405258-1413-4248-93D0-0BE7CEAA05B3}" destId="{72D6EF11-9664-4460-9122-116EAE67C557}" srcOrd="0" destOrd="0" presId="urn:microsoft.com/office/officeart/2005/8/layout/funnel1"/>
     <dgm:cxn modelId="{A103315F-8E84-44E5-9E20-C85739431F4D}" type="presParOf" srcId="{72D6EF11-9664-4460-9122-116EAE67C557}" destId="{F5FE4738-43C6-43ED-845F-884ABE6C482F}" srcOrd="0" destOrd="0" presId="urn:microsoft.com/office/officeart/2005/8/layout/funnel1"/>
     <dgm:cxn modelId="{EEE96F15-9593-44FA-8083-17BD34A17641}" type="presParOf" srcId="{72D6EF11-9664-4460-9122-116EAE67C557}" destId="{B36F908E-F47B-4A3B-85C8-AAD3F6F466C9}" srcOrd="1" destOrd="0" presId="urn:microsoft.com/office/officeart/2005/8/layout/funnel1"/>
     <dgm:cxn modelId="{BF6C217C-B605-4146-8552-C082954E2971}" type="presParOf" srcId="{72D6EF11-9664-4460-9122-116EAE67C557}" destId="{9E066C86-7FBD-4CB6-9A99-9E3A8D36A804}" srcOrd="2" destOrd="0" presId="urn:microsoft.com/office/officeart/2005/8/layout/funnel1"/>
@@ -9634,58 +9711,73 @@
           </a:graphicData>
         </a:graphic>
       </p:graphicFrame>
-      <p:graphicFrame>
-        <p:nvGraphicFramePr>
-          <p:cNvPr id="6" name="Diagram 5"/>
-          <p:cNvGraphicFramePr/>
-          <p:nvPr>
-            <p:extLst>
-              <p:ext uri="{D42A27DB-BD31-4B8C-83A1-F6EECF244321}">
-                <p14:modId xmlns:p14="http://schemas.microsoft.com/office/powerpoint/2010/main" val="2242549409"/>
-              </p:ext>
-            </p:extLst>
-          </p:nvPr>
-        </p:nvGraphicFramePr>
-        <p:xfrm>
-          <a:off x="3810000" y="3352800"/>
-          <a:ext cx="5181600" cy="3454400"/>
-        </p:xfrm>
-        <a:graphic>
-          <a:graphicData uri="http://schemas.openxmlformats.org/drawingml/2006/diagram">
-            <dgm:relIds xmlns:dgm="http://schemas.openxmlformats.org/drawingml/2006/diagram" xmlns:r="http://schemas.openxmlformats.org/officeDocument/2006/relationships" r:dm="rId7" r:lo="rId8" r:qs="rId9" r:cs="rId10"/>
-          </a:graphicData>
-        </a:graphic>
-      </p:graphicFrame>
-      <p:sp>
-        <p:nvSpPr>
-          <p:cNvPr id="7" name="TextBox 6"/>
-          <p:cNvSpPr txBox="1"/>
+      <p:grpSp>
+        <p:nvGrpSpPr>
+          <p:cNvPr id="2" name="Group 1"/>
+          <p:cNvGrpSpPr/>
           <p:nvPr/>
-        </p:nvSpPr>
-        <p:spPr>
+        </p:nvGrpSpPr>
+        <p:grpSpPr>
           <a:xfrm>
-            <a:off x="6209900" y="3733800"/>
-            <a:ext cx="1219200" cy="584775"/>
+            <a:off x="3810000" y="3352800"/>
+            <a:ext cx="5181600" cy="3454400"/>
+            <a:chOff x="3810000" y="3352800"/>
+            <a:chExt cx="5181600" cy="3454400"/>
           </a:xfrm>
-          <a:prstGeom prst="rect">
-            <a:avLst/>
-          </a:prstGeom>
-          <a:noFill/>
-        </p:spPr>
-        <p:txBody>
-          <a:bodyPr wrap="square" rtlCol="0">
-            <a:spAutoFit/>
-          </a:bodyPr>
-          <a:lstStyle/>
-          <a:p>
-            <a:r>
-              <a:rPr lang="en-US" sz="3200" b="1" dirty="0" smtClean="0"/>
-              <a:t>HTML</a:t>
-            </a:r>
-            <a:endParaRPr lang="en-US" sz="3200" b="1" dirty="0"/>
-          </a:p>
-        </p:txBody>
-      </p:sp>
+        </p:grpSpPr>
+        <p:graphicFrame>
+          <p:nvGraphicFramePr>
+            <p:cNvPr id="6" name="Diagram 5"/>
+            <p:cNvGraphicFramePr/>
+            <p:nvPr>
+              <p:extLst>
+                <p:ext uri="{D42A27DB-BD31-4B8C-83A1-F6EECF244321}">
+                  <p14:modId xmlns:p14="http://schemas.microsoft.com/office/powerpoint/2010/main" val="3852308036"/>
+                </p:ext>
+              </p:extLst>
+            </p:nvPr>
+          </p:nvGraphicFramePr>
+          <p:xfrm>
+            <a:off x="3810000" y="3352800"/>
+            <a:ext cx="5181600" cy="3454400"/>
+          </p:xfrm>
+          <a:graphic>
+            <a:graphicData uri="http://schemas.openxmlformats.org/drawingml/2006/diagram">
+              <dgm:relIds xmlns:dgm="http://schemas.openxmlformats.org/drawingml/2006/diagram" xmlns:r="http://schemas.openxmlformats.org/officeDocument/2006/relationships" r:dm="rId7" r:lo="rId8" r:qs="rId9" r:cs="rId10"/>
+            </a:graphicData>
+          </a:graphic>
+        </p:graphicFrame>
+        <p:sp>
+          <p:nvSpPr>
+            <p:cNvPr id="7" name="TextBox 6"/>
+            <p:cNvSpPr txBox="1"/>
+            <p:nvPr/>
+          </p:nvSpPr>
+          <p:spPr>
+            <a:xfrm>
+              <a:off x="6209900" y="3733800"/>
+              <a:ext cx="1219200" cy="584775"/>
+            </a:xfrm>
+            <a:prstGeom prst="rect">
+              <a:avLst/>
+            </a:prstGeom>
+            <a:noFill/>
+          </p:spPr>
+          <p:txBody>
+            <a:bodyPr wrap="square" rtlCol="0">
+              <a:spAutoFit/>
+            </a:bodyPr>
+            <a:lstStyle/>
+            <a:p>
+              <a:r>
+                <a:rPr lang="en-US" sz="3200" b="1" dirty="0" smtClean="0"/>
+                <a:t>HTML</a:t>
+              </a:r>
+              <a:endParaRPr lang="en-US" sz="3200" b="1" dirty="0"/>
+            </a:p>
+          </p:txBody>
+        </p:sp>
+      </p:grpSp>
     </p:spTree>
     <p:extLst>
       <p:ext uri="{BB962C8B-B14F-4D97-AF65-F5344CB8AC3E}">
